--- a/Презентация.pptx
+++ b/Презентация.pptx
@@ -7,9 +7,10 @@
   <p:sldIdLst>
     <p:sldId id="256" r:id="rId2"/>
     <p:sldId id="257" r:id="rId3"/>
-    <p:sldId id="258" r:id="rId4"/>
-    <p:sldId id="259" r:id="rId5"/>
-    <p:sldId id="260" r:id="rId6"/>
+    <p:sldId id="260" r:id="rId4"/>
+    <p:sldId id="261" r:id="rId5"/>
+    <p:sldId id="258" r:id="rId6"/>
+    <p:sldId id="259" r:id="rId7"/>
   </p:sldIdLst>
   <p:sldSz cx="12192000" cy="6858000"/>
   <p:notesSz cx="6858000" cy="9144000"/>
@@ -108,6 +109,11 @@
       </a:defRPr>
     </a:lvl9pPr>
   </p:defaultTextStyle>
+  <p:extLst>
+    <p:ext uri="{EFAFB233-063F-42B5-8137-9DF3F51BA10A}">
+      <p15:sldGuideLst xmlns:p15="http://schemas.microsoft.com/office/powerpoint/2012/main"/>
+    </p:ext>
+  </p:extLst>
 </p:presentation>
 </file>
 
@@ -242,7 +248,7 @@
           <a:p>
             <a:fld id="{AE1FD542-AFF1-4941-8CEF-019E448BA55E}" type="datetimeFigureOut">
               <a:rPr lang="ru-RU" smtClean="0"/>
-              <a:t>17.04.2022</a:t>
+              <a:t>20.04.2022</a:t>
             </a:fld>
             <a:endParaRPr lang="ru-RU"/>
           </a:p>
@@ -412,7 +418,7 @@
           <a:p>
             <a:fld id="{AE1FD542-AFF1-4941-8CEF-019E448BA55E}" type="datetimeFigureOut">
               <a:rPr lang="ru-RU" smtClean="0"/>
-              <a:t>17.04.2022</a:t>
+              <a:t>20.04.2022</a:t>
             </a:fld>
             <a:endParaRPr lang="ru-RU"/>
           </a:p>
@@ -592,7 +598,7 @@
           <a:p>
             <a:fld id="{AE1FD542-AFF1-4941-8CEF-019E448BA55E}" type="datetimeFigureOut">
               <a:rPr lang="ru-RU" smtClean="0"/>
-              <a:t>17.04.2022</a:t>
+              <a:t>20.04.2022</a:t>
             </a:fld>
             <a:endParaRPr lang="ru-RU"/>
           </a:p>
@@ -762,7 +768,7 @@
           <a:p>
             <a:fld id="{AE1FD542-AFF1-4941-8CEF-019E448BA55E}" type="datetimeFigureOut">
               <a:rPr lang="ru-RU" smtClean="0"/>
-              <a:t>17.04.2022</a:t>
+              <a:t>20.04.2022</a:t>
             </a:fld>
             <a:endParaRPr lang="ru-RU"/>
           </a:p>
@@ -1008,7 +1014,7 @@
           <a:p>
             <a:fld id="{AE1FD542-AFF1-4941-8CEF-019E448BA55E}" type="datetimeFigureOut">
               <a:rPr lang="ru-RU" smtClean="0"/>
-              <a:t>17.04.2022</a:t>
+              <a:t>20.04.2022</a:t>
             </a:fld>
             <a:endParaRPr lang="ru-RU"/>
           </a:p>
@@ -1240,7 +1246,7 @@
           <a:p>
             <a:fld id="{AE1FD542-AFF1-4941-8CEF-019E448BA55E}" type="datetimeFigureOut">
               <a:rPr lang="ru-RU" smtClean="0"/>
-              <a:t>17.04.2022</a:t>
+              <a:t>20.04.2022</a:t>
             </a:fld>
             <a:endParaRPr lang="ru-RU"/>
           </a:p>
@@ -1607,7 +1613,7 @@
           <a:p>
             <a:fld id="{AE1FD542-AFF1-4941-8CEF-019E448BA55E}" type="datetimeFigureOut">
               <a:rPr lang="ru-RU" smtClean="0"/>
-              <a:t>17.04.2022</a:t>
+              <a:t>20.04.2022</a:t>
             </a:fld>
             <a:endParaRPr lang="ru-RU"/>
           </a:p>
@@ -1725,7 +1731,7 @@
           <a:p>
             <a:fld id="{AE1FD542-AFF1-4941-8CEF-019E448BA55E}" type="datetimeFigureOut">
               <a:rPr lang="ru-RU" smtClean="0"/>
-              <a:t>17.04.2022</a:t>
+              <a:t>20.04.2022</a:t>
             </a:fld>
             <a:endParaRPr lang="ru-RU"/>
           </a:p>
@@ -1820,7 +1826,7 @@
           <a:p>
             <a:fld id="{AE1FD542-AFF1-4941-8CEF-019E448BA55E}" type="datetimeFigureOut">
               <a:rPr lang="ru-RU" smtClean="0"/>
-              <a:t>17.04.2022</a:t>
+              <a:t>20.04.2022</a:t>
             </a:fld>
             <a:endParaRPr lang="ru-RU"/>
           </a:p>
@@ -2097,7 +2103,7 @@
           <a:p>
             <a:fld id="{AE1FD542-AFF1-4941-8CEF-019E448BA55E}" type="datetimeFigureOut">
               <a:rPr lang="ru-RU" smtClean="0"/>
-              <a:t>17.04.2022</a:t>
+              <a:t>20.04.2022</a:t>
             </a:fld>
             <a:endParaRPr lang="ru-RU"/>
           </a:p>
@@ -2350,7 +2356,7 @@
           <a:p>
             <a:fld id="{AE1FD542-AFF1-4941-8CEF-019E448BA55E}" type="datetimeFigureOut">
               <a:rPr lang="ru-RU" smtClean="0"/>
-              <a:t>17.04.2022</a:t>
+              <a:t>20.04.2022</a:t>
             </a:fld>
             <a:endParaRPr lang="ru-RU"/>
           </a:p>
@@ -2415,9 +2421,18 @@
 <p:sldMaster xmlns:a="http://schemas.openxmlformats.org/drawingml/2006/main" xmlns:r="http://schemas.openxmlformats.org/officeDocument/2006/relationships" xmlns:p="http://schemas.openxmlformats.org/presentationml/2006/main">
   <p:cSld>
     <p:bg>
-      <p:bgRef idx="1001">
-        <a:schemeClr val="bg1"/>
-      </p:bgRef>
+      <p:bgPr>
+        <a:blipFill dpi="0" rotWithShape="1">
+          <a:blip r:embed="rId13">
+            <a:lum/>
+          </a:blip>
+          <a:srcRect/>
+          <a:stretch>
+            <a:fillRect/>
+          </a:stretch>
+        </a:blipFill>
+        <a:effectLst/>
+      </p:bgPr>
     </p:bg>
     <p:spTree>
       <p:nvGrpSpPr>
@@ -2563,7 +2578,7 @@
           <a:p>
             <a:fld id="{AE1FD542-AFF1-4941-8CEF-019E448BA55E}" type="datetimeFigureOut">
               <a:rPr lang="ru-RU" smtClean="0"/>
-              <a:t>17.04.2022</a:t>
+              <a:t>20.04.2022</a:t>
             </a:fld>
             <a:endParaRPr lang="ru-RU"/>
           </a:p>
@@ -2991,14 +3006,26 @@
           <a:lstStyle/>
           <a:p>
             <a:r>
-              <a:rPr lang="ru-RU" dirty="0"/>
+              <a:rPr lang="ru-RU" dirty="0">
+                <a:solidFill>
+                  <a:schemeClr val="bg1"/>
+                </a:solidFill>
+              </a:rPr>
               <a:t>Проект «Интернет клиника</a:t>
             </a:r>
             <a:r>
-              <a:rPr lang="ru-RU" dirty="0" smtClean="0"/>
+              <a:rPr lang="ru-RU" dirty="0" smtClean="0">
+                <a:solidFill>
+                  <a:schemeClr val="bg1"/>
+                </a:solidFill>
+              </a:rPr>
               <a:t>»</a:t>
             </a:r>
-            <a:endParaRPr lang="ru-RU" dirty="0"/>
+            <a:endParaRPr lang="ru-RU" dirty="0">
+              <a:solidFill>
+                <a:schemeClr val="bg1"/>
+              </a:solidFill>
+            </a:endParaRPr>
           </a:p>
         </p:txBody>
       </p:sp>
@@ -3025,10 +3052,18 @@
           <a:lstStyle/>
           <a:p>
             <a:r>
-              <a:rPr lang="ru-RU" dirty="0" smtClean="0"/>
+              <a:rPr lang="ru-RU" dirty="0" smtClean="0">
+                <a:solidFill>
+                  <a:schemeClr val="bg1"/>
+                </a:solidFill>
+              </a:rPr>
               <a:t>Каримов Тимур</a:t>
             </a:r>
-            <a:endParaRPr lang="ru-RU" dirty="0"/>
+            <a:endParaRPr lang="ru-RU" dirty="0">
+              <a:solidFill>
+                <a:schemeClr val="bg1"/>
+              </a:solidFill>
+            </a:endParaRPr>
           </a:p>
         </p:txBody>
       </p:sp>
@@ -3111,7 +3146,11 @@
               <a:buNone/>
             </a:pPr>
             <a:r>
-              <a:rPr lang="ru-RU" dirty="0"/>
+              <a:rPr lang="ru-RU" dirty="0">
+                <a:solidFill>
+                  <a:schemeClr val="bg1"/>
+                </a:solidFill>
+              </a:rPr>
               <a:t>Проект представляет собой сайт с услугами. Услуги можно размещать самому, а также покупать услуги других людей.</a:t>
             </a:r>
           </a:p>
@@ -3120,7 +3159,11 @@
               <a:buNone/>
             </a:pPr>
             <a:r>
-              <a:rPr lang="ru-RU" dirty="0"/>
+              <a:rPr lang="ru-RU" dirty="0">
+                <a:solidFill>
+                  <a:schemeClr val="bg1"/>
+                </a:solidFill>
+              </a:rPr>
               <a:t>Имеется база данных, в которой записывается информация о зарегистрировавшихся пользователях, их услугах, данных для связи. Каждая услуга в базе данных имеет несколько параметров: название, описание, адрес врача, изображения цена.</a:t>
             </a:r>
           </a:p>
@@ -3129,7 +3172,11 @@
               <a:buNone/>
             </a:pPr>
             <a:r>
-              <a:rPr lang="ru-RU" dirty="0"/>
+              <a:rPr lang="ru-RU" dirty="0">
+                <a:solidFill>
+                  <a:schemeClr val="bg1"/>
+                </a:solidFill>
+              </a:rPr>
               <a:t>На сайте можно будет перейти из главной страницы на страницу приемов у врачей, информации о клинике, своих услуг, записей на прием.</a:t>
             </a:r>
           </a:p>
@@ -3138,7 +3185,11 @@
               <a:buNone/>
             </a:pPr>
             <a:r>
-              <a:rPr lang="ru-RU" dirty="0"/>
+              <a:rPr lang="ru-RU" dirty="0">
+                <a:solidFill>
+                  <a:schemeClr val="bg1"/>
+                </a:solidFill>
+              </a:rPr>
               <a:t>Админу будет доступна вкладка управление пользователями, где можно давать админа другим пользователям.</a:t>
             </a:r>
           </a:p>
@@ -3147,7 +3198,11 @@
               <a:buNone/>
             </a:pPr>
             <a:r>
-              <a:rPr lang="ru-RU" dirty="0"/>
+              <a:rPr lang="ru-RU" dirty="0">
+                <a:solidFill>
+                  <a:schemeClr val="bg1"/>
+                </a:solidFill>
+              </a:rPr>
               <a:t>Доступна регистрация, можно будет нажать на кнопку «запомнить меня» при входе, чтобы быстро заходить на сайт.</a:t>
             </a:r>
           </a:p>
@@ -3156,7 +3211,11 @@
               <a:buNone/>
             </a:pPr>
             <a:r>
-              <a:rPr lang="ru-RU" dirty="0"/>
+              <a:rPr lang="ru-RU" dirty="0">
+                <a:solidFill>
+                  <a:schemeClr val="bg1"/>
+                </a:solidFill>
+              </a:rPr>
               <a:t>Вкладка «прием у врача» представлена в виде каталога.</a:t>
             </a:r>
           </a:p>
@@ -3214,121 +3273,54 @@
           <a:lstStyle/>
           <a:p>
             <a:r>
-              <a:rPr lang="ru-RU" dirty="0"/>
-              <a:t>Технологии</a:t>
-            </a:r>
-            <a:r>
-              <a:rPr lang="en-US" dirty="0" smtClean="0"/>
-              <a:t>:</a:t>
-            </a:r>
-            <a:endParaRPr lang="ru-RU" dirty="0"/>
-          </a:p>
-        </p:txBody>
-      </p:sp>
-      <p:sp>
-        <p:nvSpPr>
-          <p:cNvPr id="3" name="Объект 2"/>
-          <p:cNvSpPr>
-            <a:spLocks noGrp="1"/>
-          </p:cNvSpPr>
+              <a:rPr lang="ru-RU" dirty="0" smtClean="0">
+                <a:solidFill>
+                  <a:schemeClr val="bg1"/>
+                </a:solidFill>
+              </a:rPr>
+              <a:t>Главная страница</a:t>
+            </a:r>
+            <a:endParaRPr lang="ru-RU" dirty="0">
+              <a:solidFill>
+                <a:schemeClr val="bg1"/>
+              </a:solidFill>
+            </a:endParaRPr>
+          </a:p>
+        </p:txBody>
+      </p:sp>
+      <p:pic>
+        <p:nvPicPr>
+          <p:cNvPr id="4" name="Объект 3"/>
+          <p:cNvPicPr>
+            <a:picLocks noGrp="1" noChangeAspect="1"/>
+          </p:cNvPicPr>
           <p:nvPr>
             <p:ph idx="1"/>
           </p:nvPr>
-        </p:nvSpPr>
-        <p:spPr/>
-        <p:txBody>
-          <a:bodyPr/>
-          <a:lstStyle/>
-          <a:p>
-            <a:pPr marL="0" indent="0">
-              <a:buNone/>
-            </a:pPr>
-            <a:r>
-              <a:rPr lang="en-US" dirty="0"/>
-              <a:t>flask</a:t>
-            </a:r>
-            <a:endParaRPr lang="ru-RU" dirty="0"/>
-          </a:p>
-          <a:p>
-            <a:pPr marL="0" indent="0">
-              <a:buNone/>
-            </a:pPr>
-            <a:r>
-              <a:rPr lang="en-US" dirty="0"/>
-              <a:t>requests</a:t>
-            </a:r>
-            <a:endParaRPr lang="ru-RU" dirty="0"/>
-          </a:p>
-          <a:p>
-            <a:pPr marL="0" indent="0">
-              <a:buNone/>
-            </a:pPr>
-            <a:r>
-              <a:rPr lang="en-US" dirty="0" err="1"/>
-              <a:t>os</a:t>
-            </a:r>
-            <a:endParaRPr lang="ru-RU" dirty="0"/>
-          </a:p>
-          <a:p>
-            <a:pPr marL="0" indent="0">
-              <a:buNone/>
-            </a:pPr>
-            <a:r>
-              <a:rPr lang="en-US" dirty="0" err="1"/>
-              <a:t>sqlalchemy</a:t>
-            </a:r>
-            <a:endParaRPr lang="ru-RU" dirty="0"/>
-          </a:p>
-          <a:p>
-            <a:pPr marL="0" indent="0">
-              <a:buNone/>
-            </a:pPr>
-            <a:r>
-              <a:rPr lang="en-US" dirty="0"/>
-              <a:t>data</a:t>
-            </a:r>
-            <a:endParaRPr lang="ru-RU" dirty="0"/>
-          </a:p>
-          <a:p>
-            <a:pPr marL="0" indent="0">
-              <a:buNone/>
-            </a:pPr>
-            <a:r>
-              <a:rPr lang="en-US" dirty="0"/>
-              <a:t>forms</a:t>
-            </a:r>
-            <a:endParaRPr lang="ru-RU" dirty="0"/>
-          </a:p>
-          <a:p>
-            <a:pPr marL="0" indent="0">
-              <a:buNone/>
-            </a:pPr>
-            <a:r>
-              <a:rPr lang="en-US" dirty="0"/>
-              <a:t>flask</a:t>
-            </a:r>
-            <a:r>
-              <a:rPr lang="ru-RU" dirty="0"/>
-              <a:t>_</a:t>
-            </a:r>
-            <a:r>
-              <a:rPr lang="en-US" dirty="0"/>
-              <a:t>login</a:t>
-            </a:r>
-            <a:endParaRPr lang="ru-RU" dirty="0"/>
-          </a:p>
-          <a:p>
-            <a:pPr marL="0" indent="0">
-              <a:buNone/>
-            </a:pPr>
-            <a:endParaRPr lang="ru-RU" dirty="0"/>
-          </a:p>
-        </p:txBody>
-      </p:sp>
+        </p:nvPicPr>
+        <p:blipFill>
+          <a:blip r:embed="rId2">
+            <a:extLst>
+              <a:ext uri="{28A0092B-C50C-407E-A947-70E740481C1C}">
+                <a14:useLocalDpi xmlns:a14="http://schemas.microsoft.com/office/drawing/2010/main" val="0"/>
+              </a:ext>
+            </a:extLst>
+          </a:blip>
+          <a:stretch>
+            <a:fillRect/>
+          </a:stretch>
+        </p:blipFill>
+        <p:spPr>
+          <a:xfrm>
+            <a:off x="2047794" y="1825625"/>
+            <a:ext cx="8096412" cy="4351338"/>
+          </a:xfrm>
+        </p:spPr>
+      </p:pic>
     </p:spTree>
     <p:extLst>
       <p:ext uri="{BB962C8B-B14F-4D97-AF65-F5344CB8AC3E}">
-        <p14:creationId xmlns:p14="http://schemas.microsoft.com/office/powerpoint/2010/main" val="3925017409"/>
+        <p14:creationId xmlns:p14="http://schemas.microsoft.com/office/powerpoint/2010/main" val="1399529369"/>
       </p:ext>
     </p:extLst>
   </p:cSld>
@@ -3371,6 +3363,337 @@
           <a:lstStyle/>
           <a:p>
             <a:r>
+              <a:rPr lang="ru-RU" dirty="0" smtClean="0">
+                <a:solidFill>
+                  <a:schemeClr val="bg1"/>
+                </a:solidFill>
+              </a:rPr>
+              <a:t>Структура сайта</a:t>
+            </a:r>
+            <a:endParaRPr lang="ru-RU" dirty="0">
+              <a:solidFill>
+                <a:schemeClr val="bg1"/>
+              </a:solidFill>
+            </a:endParaRPr>
+          </a:p>
+        </p:txBody>
+      </p:sp>
+      <p:pic>
+        <p:nvPicPr>
+          <p:cNvPr id="6" name="Объект 5"/>
+          <p:cNvPicPr>
+            <a:picLocks noGrp="1" noChangeAspect="1"/>
+          </p:cNvPicPr>
+          <p:nvPr>
+            <p:ph idx="1"/>
+          </p:nvPr>
+        </p:nvPicPr>
+        <p:blipFill>
+          <a:blip r:embed="rId2">
+            <a:extLst>
+              <a:ext uri="{28A0092B-C50C-407E-A947-70E740481C1C}">
+                <a14:useLocalDpi xmlns:a14="http://schemas.microsoft.com/office/drawing/2010/main" val="0"/>
+              </a:ext>
+            </a:extLst>
+          </a:blip>
+          <a:stretch>
+            <a:fillRect/>
+          </a:stretch>
+        </p:blipFill>
+        <p:spPr>
+          <a:xfrm>
+            <a:off x="1391469" y="1825625"/>
+            <a:ext cx="9409062" cy="4351338"/>
+          </a:xfrm>
+        </p:spPr>
+      </p:pic>
+    </p:spTree>
+    <p:extLst>
+      <p:ext uri="{BB962C8B-B14F-4D97-AF65-F5344CB8AC3E}">
+        <p14:creationId xmlns:p14="http://schemas.microsoft.com/office/powerpoint/2010/main" val="4213309031"/>
+      </p:ext>
+    </p:extLst>
+  </p:cSld>
+  <p:clrMapOvr>
+    <a:masterClrMapping/>
+  </p:clrMapOvr>
+</p:sld>
+</file>
+
+<file path=ppt/slides/slide5.xml><?xml version="1.0" encoding="utf-8"?>
+<p:sld xmlns:a="http://schemas.openxmlformats.org/drawingml/2006/main" xmlns:r="http://schemas.openxmlformats.org/officeDocument/2006/relationships" xmlns:p="http://schemas.openxmlformats.org/presentationml/2006/main">
+  <p:cSld>
+    <p:spTree>
+      <p:nvGrpSpPr>
+        <p:cNvPr id="1" name=""/>
+        <p:cNvGrpSpPr/>
+        <p:nvPr/>
+      </p:nvGrpSpPr>
+      <p:grpSpPr>
+        <a:xfrm>
+          <a:off x="0" y="0"/>
+          <a:ext cx="0" cy="0"/>
+          <a:chOff x="0" y="0"/>
+          <a:chExt cx="0" cy="0"/>
+        </a:xfrm>
+      </p:grpSpPr>
+      <p:sp>
+        <p:nvSpPr>
+          <p:cNvPr id="2" name="Заголовок 1"/>
+          <p:cNvSpPr>
+            <a:spLocks noGrp="1"/>
+          </p:cNvSpPr>
+          <p:nvPr>
+            <p:ph type="title"/>
+          </p:nvPr>
+        </p:nvSpPr>
+        <p:spPr/>
+        <p:txBody>
+          <a:bodyPr/>
+          <a:lstStyle/>
+          <a:p>
+            <a:r>
+              <a:rPr lang="ru-RU" dirty="0">
+                <a:solidFill>
+                  <a:schemeClr val="bg1"/>
+                </a:solidFill>
+              </a:rPr>
+              <a:t>Технологии</a:t>
+            </a:r>
+            <a:r>
+              <a:rPr lang="en-US" dirty="0" smtClean="0">
+                <a:solidFill>
+                  <a:schemeClr val="bg1"/>
+                </a:solidFill>
+              </a:rPr>
+              <a:t>:</a:t>
+            </a:r>
+            <a:endParaRPr lang="ru-RU" dirty="0">
+              <a:solidFill>
+                <a:schemeClr val="bg1"/>
+              </a:solidFill>
+            </a:endParaRPr>
+          </a:p>
+        </p:txBody>
+      </p:sp>
+      <p:sp>
+        <p:nvSpPr>
+          <p:cNvPr id="3" name="Объект 2"/>
+          <p:cNvSpPr>
+            <a:spLocks noGrp="1"/>
+          </p:cNvSpPr>
+          <p:nvPr>
+            <p:ph idx="1"/>
+          </p:nvPr>
+        </p:nvSpPr>
+        <p:spPr/>
+        <p:txBody>
+          <a:bodyPr/>
+          <a:lstStyle/>
+          <a:p>
+            <a:pPr marL="0" indent="0">
+              <a:buNone/>
+            </a:pPr>
+            <a:r>
+              <a:rPr lang="en-US" dirty="0" smtClean="0">
+                <a:solidFill>
+                  <a:schemeClr val="bg1"/>
+                </a:solidFill>
+              </a:rPr>
+              <a:t>Flask</a:t>
+            </a:r>
+            <a:r>
+              <a:rPr lang="ru-RU" dirty="0" smtClean="0">
+                <a:solidFill>
+                  <a:schemeClr val="bg1"/>
+                </a:solidFill>
+              </a:rPr>
+              <a:t>          </a:t>
+            </a:r>
+            <a:endParaRPr lang="ru-RU" dirty="0">
+              <a:solidFill>
+                <a:schemeClr val="bg1"/>
+              </a:solidFill>
+            </a:endParaRPr>
+          </a:p>
+          <a:p>
+            <a:pPr marL="0" indent="0">
+              <a:buNone/>
+            </a:pPr>
+            <a:r>
+              <a:rPr lang="en-US" dirty="0">
+                <a:solidFill>
+                  <a:schemeClr val="bg1"/>
+                </a:solidFill>
+              </a:rPr>
+              <a:t>requests</a:t>
+            </a:r>
+            <a:endParaRPr lang="ru-RU" dirty="0">
+              <a:solidFill>
+                <a:schemeClr val="bg1"/>
+              </a:solidFill>
+            </a:endParaRPr>
+          </a:p>
+          <a:p>
+            <a:pPr marL="0" indent="0">
+              <a:buNone/>
+            </a:pPr>
+            <a:r>
+              <a:rPr lang="en-US" dirty="0" err="1">
+                <a:solidFill>
+                  <a:schemeClr val="bg1"/>
+                </a:solidFill>
+              </a:rPr>
+              <a:t>os</a:t>
+            </a:r>
+            <a:endParaRPr lang="ru-RU" dirty="0">
+              <a:solidFill>
+                <a:schemeClr val="bg1"/>
+              </a:solidFill>
+            </a:endParaRPr>
+          </a:p>
+          <a:p>
+            <a:pPr marL="0" indent="0">
+              <a:buNone/>
+            </a:pPr>
+            <a:r>
+              <a:rPr lang="en-US" dirty="0" err="1">
+                <a:solidFill>
+                  <a:schemeClr val="bg1"/>
+                </a:solidFill>
+              </a:rPr>
+              <a:t>sqlalchemy</a:t>
+            </a:r>
+            <a:endParaRPr lang="ru-RU" dirty="0">
+              <a:solidFill>
+                <a:schemeClr val="bg1"/>
+              </a:solidFill>
+            </a:endParaRPr>
+          </a:p>
+          <a:p>
+            <a:pPr marL="0" indent="0">
+              <a:buNone/>
+            </a:pPr>
+            <a:r>
+              <a:rPr lang="en-US" dirty="0">
+                <a:solidFill>
+                  <a:schemeClr val="bg1"/>
+                </a:solidFill>
+              </a:rPr>
+              <a:t>data</a:t>
+            </a:r>
+            <a:endParaRPr lang="ru-RU" dirty="0">
+              <a:solidFill>
+                <a:schemeClr val="bg1"/>
+              </a:solidFill>
+            </a:endParaRPr>
+          </a:p>
+          <a:p>
+            <a:pPr marL="0" indent="0">
+              <a:buNone/>
+            </a:pPr>
+            <a:r>
+              <a:rPr lang="en-US" dirty="0">
+                <a:solidFill>
+                  <a:schemeClr val="bg1"/>
+                </a:solidFill>
+              </a:rPr>
+              <a:t>forms</a:t>
+            </a:r>
+            <a:endParaRPr lang="ru-RU" dirty="0">
+              <a:solidFill>
+                <a:schemeClr val="bg1"/>
+              </a:solidFill>
+            </a:endParaRPr>
+          </a:p>
+          <a:p>
+            <a:pPr marL="0" indent="0">
+              <a:buNone/>
+            </a:pPr>
+            <a:r>
+              <a:rPr lang="en-US" dirty="0">
+                <a:solidFill>
+                  <a:schemeClr val="bg1"/>
+                </a:solidFill>
+              </a:rPr>
+              <a:t>flask</a:t>
+            </a:r>
+            <a:r>
+              <a:rPr lang="ru-RU" dirty="0">
+                <a:solidFill>
+                  <a:schemeClr val="bg1"/>
+                </a:solidFill>
+              </a:rPr>
+              <a:t>_</a:t>
+            </a:r>
+            <a:r>
+              <a:rPr lang="en-US" dirty="0">
+                <a:solidFill>
+                  <a:schemeClr val="bg1"/>
+                </a:solidFill>
+              </a:rPr>
+              <a:t>login</a:t>
+            </a:r>
+            <a:endParaRPr lang="ru-RU" dirty="0">
+              <a:solidFill>
+                <a:schemeClr val="bg1"/>
+              </a:solidFill>
+            </a:endParaRPr>
+          </a:p>
+          <a:p>
+            <a:pPr marL="0" indent="0">
+              <a:buNone/>
+            </a:pPr>
+            <a:endParaRPr lang="ru-RU" dirty="0"/>
+          </a:p>
+        </p:txBody>
+      </p:sp>
+    </p:spTree>
+    <p:extLst>
+      <p:ext uri="{BB962C8B-B14F-4D97-AF65-F5344CB8AC3E}">
+        <p14:creationId xmlns:p14="http://schemas.microsoft.com/office/powerpoint/2010/main" val="3925017409"/>
+      </p:ext>
+    </p:extLst>
+  </p:cSld>
+  <p:clrMapOvr>
+    <a:masterClrMapping/>
+  </p:clrMapOvr>
+</p:sld>
+</file>
+
+<file path=ppt/slides/slide6.xml><?xml version="1.0" encoding="utf-8"?>
+<p:sld xmlns:a="http://schemas.openxmlformats.org/drawingml/2006/main" xmlns:r="http://schemas.openxmlformats.org/officeDocument/2006/relationships" xmlns:p="http://schemas.openxmlformats.org/presentationml/2006/main">
+  <p:cSld>
+    <p:spTree>
+      <p:nvGrpSpPr>
+        <p:cNvPr id="1" name=""/>
+        <p:cNvGrpSpPr/>
+        <p:nvPr/>
+      </p:nvGrpSpPr>
+      <p:grpSpPr>
+        <a:xfrm>
+          <a:off x="0" y="0"/>
+          <a:ext cx="0" cy="0"/>
+          <a:chOff x="0" y="0"/>
+          <a:chExt cx="0" cy="0"/>
+        </a:xfrm>
+      </p:grpSpPr>
+      <p:sp>
+        <p:nvSpPr>
+          <p:cNvPr id="2" name="Заголовок 1"/>
+          <p:cNvSpPr>
+            <a:spLocks noGrp="1"/>
+          </p:cNvSpPr>
+          <p:nvPr>
+            <p:ph type="title"/>
+          </p:nvPr>
+        </p:nvSpPr>
+        <p:spPr/>
+        <p:txBody>
+          <a:bodyPr/>
+          <a:lstStyle/>
+          <a:p>
+            <a:r>
               <a:rPr lang="ru-RU" dirty="0" smtClean="0"/>
               <a:t> </a:t>
             </a:r>
@@ -3402,47 +3725,91 @@
               <a:buNone/>
             </a:pPr>
             <a:r>
-              <a:rPr lang="ru-RU" dirty="0" smtClean="0"/>
+              <a:rPr lang="ru-RU" dirty="0" smtClean="0">
+                <a:solidFill>
+                  <a:schemeClr val="bg1"/>
+                </a:solidFill>
+              </a:rPr>
               <a:t>Используются </a:t>
             </a:r>
             <a:r>
-              <a:rPr lang="en-US" dirty="0"/>
+              <a:rPr lang="en-US" dirty="0">
+                <a:solidFill>
+                  <a:schemeClr val="bg1"/>
+                </a:solidFill>
+              </a:rPr>
               <a:t>requirements</a:t>
             </a:r>
             <a:r>
-              <a:rPr lang="ru-RU" dirty="0"/>
+              <a:rPr lang="ru-RU" dirty="0">
+                <a:solidFill>
+                  <a:schemeClr val="bg1"/>
+                </a:solidFill>
+              </a:rPr>
               <a:t>.</a:t>
             </a:r>
             <a:r>
-              <a:rPr lang="en-US" dirty="0"/>
+              <a:rPr lang="en-US" dirty="0">
+                <a:solidFill>
+                  <a:schemeClr val="bg1"/>
+                </a:solidFill>
+              </a:rPr>
               <a:t>txt</a:t>
             </a:r>
             <a:r>
-              <a:rPr lang="ru-RU" dirty="0"/>
+              <a:rPr lang="ru-RU" dirty="0">
+                <a:solidFill>
+                  <a:schemeClr val="bg1"/>
+                </a:solidFill>
+              </a:rPr>
               <a:t>, шаблоны, </a:t>
             </a:r>
             <a:r>
-              <a:rPr lang="en-US" dirty="0" err="1"/>
+              <a:rPr lang="en-US" dirty="0" err="1">
+                <a:solidFill>
+                  <a:schemeClr val="bg1"/>
+                </a:solidFill>
+              </a:rPr>
               <a:t>orm</a:t>
             </a:r>
             <a:r>
-              <a:rPr lang="en-US" dirty="0"/>
+              <a:rPr lang="en-US" dirty="0">
+                <a:solidFill>
+                  <a:schemeClr val="bg1"/>
+                </a:solidFill>
+              </a:rPr>
               <a:t> </a:t>
             </a:r>
             <a:r>
-              <a:rPr lang="ru-RU" dirty="0"/>
+              <a:rPr lang="ru-RU" dirty="0">
+                <a:solidFill>
+                  <a:schemeClr val="bg1"/>
+                </a:solidFill>
+              </a:rPr>
               <a:t>модели, регистрация и авторизация, </a:t>
             </a:r>
             <a:r>
-              <a:rPr lang="en-US" dirty="0"/>
+              <a:rPr lang="en-US" dirty="0">
+                <a:solidFill>
+                  <a:schemeClr val="bg1"/>
+                </a:solidFill>
+              </a:rPr>
               <a:t>rest </a:t>
             </a:r>
             <a:r>
-              <a:rPr lang="en-US" dirty="0" err="1"/>
+              <a:rPr lang="en-US" dirty="0" err="1">
+                <a:solidFill>
+                  <a:schemeClr val="bg1"/>
+                </a:solidFill>
+              </a:rPr>
               <a:t>api</a:t>
             </a:r>
             <a:r>
-              <a:rPr lang="ru-RU" dirty="0"/>
+              <a:rPr lang="ru-RU" dirty="0">
+                <a:solidFill>
+                  <a:schemeClr val="bg1"/>
+                </a:solidFill>
+              </a:rPr>
               <a:t> и хранение данных.</a:t>
             </a:r>
           </a:p>
@@ -3450,18 +3817,30 @@
             <a:pPr marL="0" indent="0">
               <a:buNone/>
             </a:pPr>
-            <a:endParaRPr lang="ru-RU" dirty="0" smtClean="0"/>
+            <a:endParaRPr lang="ru-RU" dirty="0" smtClean="0">
+              <a:solidFill>
+                <a:schemeClr val="bg1"/>
+              </a:solidFill>
+            </a:endParaRPr>
           </a:p>
           <a:p>
             <a:pPr marL="0" indent="0">
               <a:buNone/>
             </a:pPr>
             <a:r>
-              <a:rPr lang="ru-RU" dirty="0" smtClean="0"/>
+              <a:rPr lang="ru-RU" dirty="0" smtClean="0">
+                <a:solidFill>
+                  <a:schemeClr val="bg1"/>
+                </a:solidFill>
+              </a:rPr>
               <a:t>База данных</a:t>
             </a:r>
             <a:r>
-              <a:rPr lang="en-US" dirty="0" smtClean="0"/>
+              <a:rPr lang="en-US" dirty="0" smtClean="0">
+                <a:solidFill>
+                  <a:schemeClr val="bg1"/>
+                </a:solidFill>
+              </a:rPr>
               <a:t>:</a:t>
             </a:r>
           </a:p>
@@ -3567,88 +3946,6 @@
     <p:extLst>
       <p:ext uri="{BB962C8B-B14F-4D97-AF65-F5344CB8AC3E}">
         <p14:creationId xmlns:p14="http://schemas.microsoft.com/office/powerpoint/2010/main" val="925531389"/>
-      </p:ext>
-    </p:extLst>
-  </p:cSld>
-  <p:clrMapOvr>
-    <a:masterClrMapping/>
-  </p:clrMapOvr>
-</p:sld>
-</file>
-
-<file path=ppt/slides/slide5.xml><?xml version="1.0" encoding="utf-8"?>
-<p:sld xmlns:a="http://schemas.openxmlformats.org/drawingml/2006/main" xmlns:r="http://schemas.openxmlformats.org/officeDocument/2006/relationships" xmlns:p="http://schemas.openxmlformats.org/presentationml/2006/main">
-  <p:cSld>
-    <p:spTree>
-      <p:nvGrpSpPr>
-        <p:cNvPr id="1" name=""/>
-        <p:cNvGrpSpPr/>
-        <p:nvPr/>
-      </p:nvGrpSpPr>
-      <p:grpSpPr>
-        <a:xfrm>
-          <a:off x="0" y="0"/>
-          <a:ext cx="0" cy="0"/>
-          <a:chOff x="0" y="0"/>
-          <a:chExt cx="0" cy="0"/>
-        </a:xfrm>
-      </p:grpSpPr>
-      <p:sp>
-        <p:nvSpPr>
-          <p:cNvPr id="2" name="Заголовок 1"/>
-          <p:cNvSpPr>
-            <a:spLocks noGrp="1"/>
-          </p:cNvSpPr>
-          <p:nvPr>
-            <p:ph type="title"/>
-          </p:nvPr>
-        </p:nvSpPr>
-        <p:spPr/>
-        <p:txBody>
-          <a:bodyPr/>
-          <a:lstStyle/>
-          <a:p>
-            <a:r>
-              <a:rPr lang="ru-RU" dirty="0" smtClean="0"/>
-              <a:t>Главная страница</a:t>
-            </a:r>
-            <a:endParaRPr lang="ru-RU" dirty="0"/>
-          </a:p>
-        </p:txBody>
-      </p:sp>
-      <p:pic>
-        <p:nvPicPr>
-          <p:cNvPr id="4" name="Объект 3"/>
-          <p:cNvPicPr>
-            <a:picLocks noGrp="1" noChangeAspect="1"/>
-          </p:cNvPicPr>
-          <p:nvPr>
-            <p:ph idx="1"/>
-          </p:nvPr>
-        </p:nvPicPr>
-        <p:blipFill>
-          <a:blip r:embed="rId2">
-            <a:extLst>
-              <a:ext uri="{28A0092B-C50C-407E-A947-70E740481C1C}">
-                <a14:useLocalDpi xmlns:a14="http://schemas.microsoft.com/office/drawing/2010/main" val="0"/>
-              </a:ext>
-            </a:extLst>
-          </a:blip>
-          <a:stretch>
-            <a:fillRect/>
-          </a:stretch>
-        </p:blipFill>
-        <p:spPr>
-          <a:xfrm>
-            <a:off x="2047794" y="1825625"/>
-            <a:ext cx="8096412" cy="4351338"/>
-          </a:xfrm>
-        </p:spPr>
-      </p:pic>
-    </p:spTree>
-    <p:extLst>
-      <p:ext uri="{BB962C8B-B14F-4D97-AF65-F5344CB8AC3E}">
-        <p14:creationId xmlns:p14="http://schemas.microsoft.com/office/powerpoint/2010/main" val="1399529369"/>
       </p:ext>
     </p:extLst>
   </p:cSld>
